--- a/raspberry/tkinter_img/ecoarium_imgset.pptx
+++ b/raspberry/tkinter_img/ecoarium_imgset.pptx
@@ -12,6 +12,10 @@
     <p:sldId id="258" r:id="rId6"/>
     <p:sldId id="259" r:id="rId7"/>
     <p:sldId id="260" r:id="rId8"/>
+    <p:sldId id="263" r:id="rId9"/>
+    <p:sldId id="264" r:id="rId10"/>
+    <p:sldId id="265" r:id="rId11"/>
+    <p:sldId id="266" r:id="rId12"/>
   </p:sldIdLst>
   <p:sldSz cx="12192000" cy="6858000"/>
   <p:notesSz cx="6858000" cy="9144000"/>
@@ -4209,6 +4213,475 @@
     <p:extLst>
       <p:ext uri="{BB962C8B-B14F-4D97-AF65-F5344CB8AC3E}">
         <p14:creationId xmlns:p14="http://schemas.microsoft.com/office/powerpoint/2010/main" val="3609649900"/>
+      </p:ext>
+    </p:extLst>
+  </p:cSld>
+  <p:clrMapOvr>
+    <a:masterClrMapping/>
+  </p:clrMapOvr>
+</p:sld>
+</file>
+
+<file path=ppt/slides/slide10.xml><?xml version="1.0" encoding="utf-8"?>
+<p:sld xmlns:a="http://schemas.openxmlformats.org/drawingml/2006/main" xmlns:r="http://schemas.openxmlformats.org/officeDocument/2006/relationships" xmlns:p="http://schemas.openxmlformats.org/presentationml/2006/main">
+  <p:cSld>
+    <p:spTree>
+      <p:nvGrpSpPr>
+        <p:cNvPr id="1" name=""/>
+        <p:cNvGrpSpPr/>
+        <p:nvPr/>
+      </p:nvGrpSpPr>
+      <p:grpSpPr>
+        <a:xfrm>
+          <a:off x="0" y="0"/>
+          <a:ext cx="0" cy="0"/>
+          <a:chOff x="0" y="0"/>
+          <a:chExt cx="0" cy="0"/>
+        </a:xfrm>
+      </p:grpSpPr>
+      <p:pic>
+        <p:nvPicPr>
+          <p:cNvPr id="4" name="그림 3" descr="음료, 음식, 커피, 음료용기이(가) 표시된 사진&#10;&#10;자동 생성된 설명">
+            <a:extLst>
+              <a:ext uri="{FF2B5EF4-FFF2-40B4-BE49-F238E27FC236}">
+                <a16:creationId xmlns:a16="http://schemas.microsoft.com/office/drawing/2014/main" id="{1D547FE2-0CE9-DC68-58F2-8FCCF3FAA235}"/>
+              </a:ext>
+            </a:extLst>
+          </p:cNvPr>
+          <p:cNvPicPr>
+            <a:picLocks noChangeAspect="1"/>
+          </p:cNvPicPr>
+          <p:nvPr/>
+        </p:nvPicPr>
+        <p:blipFill rotWithShape="1">
+          <a:blip r:embed="rId2">
+            <a:extLst>
+              <a:ext uri="{28A0092B-C50C-407E-A947-70E740481C1C}">
+                <a14:useLocalDpi xmlns:a14="http://schemas.microsoft.com/office/drawing/2010/main" val="0"/>
+              </a:ext>
+            </a:extLst>
+          </a:blip>
+          <a:srcRect b="14452"/>
+          <a:stretch/>
+        </p:blipFill>
+        <p:spPr>
+          <a:xfrm>
+            <a:off x="4215815" y="1028664"/>
+            <a:ext cx="3760370" cy="4329044"/>
+          </a:xfrm>
+          <a:prstGeom prst="rect">
+            <a:avLst/>
+          </a:prstGeom>
+        </p:spPr>
+      </p:pic>
+      <p:sp>
+        <p:nvSpPr>
+          <p:cNvPr id="8" name="TextBox 7">
+            <a:extLst>
+              <a:ext uri="{FF2B5EF4-FFF2-40B4-BE49-F238E27FC236}">
+                <a16:creationId xmlns:a16="http://schemas.microsoft.com/office/drawing/2014/main" id="{E1F7DD71-9B89-8819-3CFF-2299AFB7DC4C}"/>
+              </a:ext>
+            </a:extLst>
+          </p:cNvPr>
+          <p:cNvSpPr txBox="1"/>
+          <p:nvPr/>
+        </p:nvSpPr>
+        <p:spPr>
+          <a:xfrm>
+            <a:off x="4030456" y="5093196"/>
+            <a:ext cx="4131087" cy="707886"/>
+          </a:xfrm>
+          <a:prstGeom prst="rect">
+            <a:avLst/>
+          </a:prstGeom>
+          <a:noFill/>
+        </p:spPr>
+        <p:txBody>
+          <a:bodyPr wrap="square" rtlCol="0">
+            <a:spAutoFit/>
+          </a:bodyPr>
+          <a:lstStyle/>
+          <a:p>
+            <a:pPr algn="ctr"/>
+            <a:r>
+              <a:rPr lang="ko-KR" altLang="en-US" sz="4000" dirty="0">
+                <a:latin typeface="나눔스퀘어 네오 Heavy" panose="00000A00000000000000" pitchFamily="2" charset="-127"/>
+                <a:ea typeface="나눔스퀘어 네오 Heavy" panose="00000A00000000000000" pitchFamily="2" charset="-127"/>
+              </a:rPr>
+              <a:t>에스프레소</a:t>
+            </a:r>
+          </a:p>
+        </p:txBody>
+      </p:sp>
+      <p:sp>
+        <p:nvSpPr>
+          <p:cNvPr id="9" name="타원 8">
+            <a:extLst>
+              <a:ext uri="{FF2B5EF4-FFF2-40B4-BE49-F238E27FC236}">
+                <a16:creationId xmlns:a16="http://schemas.microsoft.com/office/drawing/2014/main" id="{EAB8F6AA-1FE2-9D98-02EC-A2EBE8975A87}"/>
+              </a:ext>
+            </a:extLst>
+          </p:cNvPr>
+          <p:cNvSpPr/>
+          <p:nvPr/>
+        </p:nvSpPr>
+        <p:spPr>
+          <a:xfrm>
+            <a:off x="6999298" y="1286934"/>
+            <a:ext cx="1408854" cy="1408854"/>
+          </a:xfrm>
+          <a:prstGeom prst="ellipse">
+            <a:avLst/>
+          </a:prstGeom>
+          <a:solidFill>
+            <a:schemeClr val="tx2">
+              <a:lumMod val="75000"/>
+              <a:lumOff val="25000"/>
+            </a:schemeClr>
+          </a:solidFill>
+          <a:ln>
+            <a:noFill/>
+          </a:ln>
+        </p:spPr>
+        <p:style>
+          <a:lnRef idx="2">
+            <a:schemeClr val="accent1">
+              <a:shade val="15000"/>
+            </a:schemeClr>
+          </a:lnRef>
+          <a:fillRef idx="1">
+            <a:schemeClr val="accent1"/>
+          </a:fillRef>
+          <a:effectRef idx="0">
+            <a:schemeClr val="accent1"/>
+          </a:effectRef>
+          <a:fontRef idx="minor">
+            <a:schemeClr val="lt1"/>
+          </a:fontRef>
+        </p:style>
+        <p:txBody>
+          <a:bodyPr rtlCol="0" anchor="ctr"/>
+          <a:lstStyle/>
+          <a:p>
+            <a:pPr algn="ctr"/>
+            <a:endParaRPr lang="ko-KR" altLang="en-US" sz="1200" dirty="0">
+              <a:latin typeface="나눔바른고딕" panose="020B0603020101020101" pitchFamily="50" charset="-127"/>
+              <a:ea typeface="나눔바른고딕" panose="020B0603020101020101" pitchFamily="50" charset="-127"/>
+            </a:endParaRPr>
+          </a:p>
+        </p:txBody>
+      </p:sp>
+      <p:sp>
+        <p:nvSpPr>
+          <p:cNvPr id="10" name="TextBox 9">
+            <a:extLst>
+              <a:ext uri="{FF2B5EF4-FFF2-40B4-BE49-F238E27FC236}">
+                <a16:creationId xmlns:a16="http://schemas.microsoft.com/office/drawing/2014/main" id="{4EF859E8-91B5-763C-0BB1-3365BE13B869}"/>
+              </a:ext>
+            </a:extLst>
+          </p:cNvPr>
+          <p:cNvSpPr txBox="1"/>
+          <p:nvPr/>
+        </p:nvSpPr>
+        <p:spPr>
+          <a:xfrm rot="1276837">
+            <a:off x="7075989" y="1575862"/>
+            <a:ext cx="1255472" cy="830997"/>
+          </a:xfrm>
+          <a:prstGeom prst="rect">
+            <a:avLst/>
+          </a:prstGeom>
+          <a:noFill/>
+        </p:spPr>
+        <p:txBody>
+          <a:bodyPr wrap="none" rtlCol="0">
+            <a:spAutoFit/>
+          </a:bodyPr>
+          <a:lstStyle/>
+          <a:p>
+            <a:pPr algn="ctr"/>
+            <a:r>
+              <a:rPr lang="ko-KR" altLang="en-US" sz="2400" b="1" dirty="0">
+                <a:solidFill>
+                  <a:schemeClr val="bg1"/>
+                </a:solidFill>
+                <a:latin typeface="나눔바른고딕" panose="020B0603020101020101" pitchFamily="50" charset="-127"/>
+                <a:ea typeface="나눔바른고딕" panose="020B0603020101020101" pitchFamily="50" charset="-127"/>
+              </a:rPr>
+              <a:t>스탬프</a:t>
+            </a:r>
+            <a:endParaRPr lang="en-US" altLang="ko-KR" sz="2400" b="1" dirty="0">
+              <a:solidFill>
+                <a:schemeClr val="bg1"/>
+              </a:solidFill>
+              <a:latin typeface="나눔바른고딕" panose="020B0603020101020101" pitchFamily="50" charset="-127"/>
+              <a:ea typeface="나눔바른고딕" panose="020B0603020101020101" pitchFamily="50" charset="-127"/>
+            </a:endParaRPr>
+          </a:p>
+          <a:p>
+            <a:pPr algn="ctr"/>
+            <a:r>
+              <a:rPr lang="en-US" altLang="ko-KR" sz="2400" b="1" dirty="0">
+                <a:solidFill>
+                  <a:schemeClr val="bg1"/>
+                </a:solidFill>
+                <a:latin typeface="나눔바른고딕" panose="020B0603020101020101" pitchFamily="50" charset="-127"/>
+                <a:ea typeface="나눔바른고딕" panose="020B0603020101020101" pitchFamily="50" charset="-127"/>
+              </a:rPr>
+              <a:t>5</a:t>
+            </a:r>
+            <a:r>
+              <a:rPr lang="ko-KR" altLang="en-US" sz="2400" b="1" dirty="0">
+                <a:solidFill>
+                  <a:schemeClr val="bg1"/>
+                </a:solidFill>
+                <a:latin typeface="나눔바른고딕" panose="020B0603020101020101" pitchFamily="50" charset="-127"/>
+                <a:ea typeface="나눔바른고딕" panose="020B0603020101020101" pitchFamily="50" charset="-127"/>
+              </a:rPr>
+              <a:t>개 필요</a:t>
+            </a:r>
+          </a:p>
+        </p:txBody>
+      </p:sp>
+    </p:spTree>
+    <p:extLst>
+      <p:ext uri="{BB962C8B-B14F-4D97-AF65-F5344CB8AC3E}">
+        <p14:creationId xmlns:p14="http://schemas.microsoft.com/office/powerpoint/2010/main" val="220285436"/>
+      </p:ext>
+    </p:extLst>
+  </p:cSld>
+  <p:clrMapOvr>
+    <a:masterClrMapping/>
+  </p:clrMapOvr>
+</p:sld>
+</file>
+
+<file path=ppt/slides/slide11.xml><?xml version="1.0" encoding="utf-8"?>
+<p:sld xmlns:a="http://schemas.openxmlformats.org/drawingml/2006/main" xmlns:r="http://schemas.openxmlformats.org/officeDocument/2006/relationships" xmlns:p="http://schemas.openxmlformats.org/presentationml/2006/main">
+  <p:cSld>
+    <p:spTree>
+      <p:nvGrpSpPr>
+        <p:cNvPr id="1" name=""/>
+        <p:cNvGrpSpPr/>
+        <p:nvPr/>
+      </p:nvGrpSpPr>
+      <p:grpSpPr>
+        <a:xfrm>
+          <a:off x="0" y="0"/>
+          <a:ext cx="0" cy="0"/>
+          <a:chOff x="0" y="0"/>
+          <a:chExt cx="0" cy="0"/>
+        </a:xfrm>
+      </p:grpSpPr>
+      <p:sp>
+        <p:nvSpPr>
+          <p:cNvPr id="8" name="TextBox 7">
+            <a:extLst>
+              <a:ext uri="{FF2B5EF4-FFF2-40B4-BE49-F238E27FC236}">
+                <a16:creationId xmlns:a16="http://schemas.microsoft.com/office/drawing/2014/main" id="{E1F7DD71-9B89-8819-3CFF-2299AFB7DC4C}"/>
+              </a:ext>
+            </a:extLst>
+          </p:cNvPr>
+          <p:cNvSpPr txBox="1"/>
+          <p:nvPr/>
+        </p:nvSpPr>
+        <p:spPr>
+          <a:xfrm>
+            <a:off x="4030456" y="5093196"/>
+            <a:ext cx="4131087" cy="707886"/>
+          </a:xfrm>
+          <a:prstGeom prst="rect">
+            <a:avLst/>
+          </a:prstGeom>
+          <a:noFill/>
+        </p:spPr>
+        <p:txBody>
+          <a:bodyPr wrap="square" rtlCol="0">
+            <a:spAutoFit/>
+          </a:bodyPr>
+          <a:lstStyle/>
+          <a:p>
+            <a:pPr algn="ctr"/>
+            <a:r>
+              <a:rPr lang="ko-KR" altLang="en-US" sz="4000" dirty="0">
+                <a:latin typeface="나눔스퀘어 네오 Heavy" panose="00000A00000000000000" pitchFamily="2" charset="-127"/>
+                <a:ea typeface="나눔스퀘어 네오 Heavy" panose="00000A00000000000000" pitchFamily="2" charset="-127"/>
+              </a:rPr>
+              <a:t>조각 치즈케이크</a:t>
+            </a:r>
+          </a:p>
+        </p:txBody>
+      </p:sp>
+      <p:sp>
+        <p:nvSpPr>
+          <p:cNvPr id="9" name="타원 8">
+            <a:extLst>
+              <a:ext uri="{FF2B5EF4-FFF2-40B4-BE49-F238E27FC236}">
+                <a16:creationId xmlns:a16="http://schemas.microsoft.com/office/drawing/2014/main" id="{EAB8F6AA-1FE2-9D98-02EC-A2EBE8975A87}"/>
+              </a:ext>
+            </a:extLst>
+          </p:cNvPr>
+          <p:cNvSpPr/>
+          <p:nvPr/>
+        </p:nvSpPr>
+        <p:spPr>
+          <a:xfrm>
+            <a:off x="6999298" y="1286934"/>
+            <a:ext cx="1408854" cy="1408854"/>
+          </a:xfrm>
+          <a:prstGeom prst="ellipse">
+            <a:avLst/>
+          </a:prstGeom>
+          <a:solidFill>
+            <a:schemeClr val="tx2">
+              <a:lumMod val="75000"/>
+              <a:lumOff val="25000"/>
+            </a:schemeClr>
+          </a:solidFill>
+          <a:ln>
+            <a:noFill/>
+          </a:ln>
+        </p:spPr>
+        <p:style>
+          <a:lnRef idx="2">
+            <a:schemeClr val="accent1">
+              <a:shade val="15000"/>
+            </a:schemeClr>
+          </a:lnRef>
+          <a:fillRef idx="1">
+            <a:schemeClr val="accent1"/>
+          </a:fillRef>
+          <a:effectRef idx="0">
+            <a:schemeClr val="accent1"/>
+          </a:effectRef>
+          <a:fontRef idx="minor">
+            <a:schemeClr val="lt1"/>
+          </a:fontRef>
+        </p:style>
+        <p:txBody>
+          <a:bodyPr rtlCol="0" anchor="ctr"/>
+          <a:lstStyle/>
+          <a:p>
+            <a:pPr algn="ctr"/>
+            <a:endParaRPr lang="ko-KR" altLang="en-US" sz="1200" dirty="0">
+              <a:latin typeface="나눔바른고딕" panose="020B0603020101020101" pitchFamily="50" charset="-127"/>
+              <a:ea typeface="나눔바른고딕" panose="020B0603020101020101" pitchFamily="50" charset="-127"/>
+            </a:endParaRPr>
+          </a:p>
+        </p:txBody>
+      </p:sp>
+      <p:sp>
+        <p:nvSpPr>
+          <p:cNvPr id="10" name="TextBox 9">
+            <a:extLst>
+              <a:ext uri="{FF2B5EF4-FFF2-40B4-BE49-F238E27FC236}">
+                <a16:creationId xmlns:a16="http://schemas.microsoft.com/office/drawing/2014/main" id="{4EF859E8-91B5-763C-0BB1-3365BE13B869}"/>
+              </a:ext>
+            </a:extLst>
+          </p:cNvPr>
+          <p:cNvSpPr txBox="1"/>
+          <p:nvPr/>
+        </p:nvSpPr>
+        <p:spPr>
+          <a:xfrm rot="1276837">
+            <a:off x="6986223" y="1575862"/>
+            <a:ext cx="1435008" cy="830997"/>
+          </a:xfrm>
+          <a:prstGeom prst="rect">
+            <a:avLst/>
+          </a:prstGeom>
+          <a:noFill/>
+        </p:spPr>
+        <p:txBody>
+          <a:bodyPr wrap="none" rtlCol="0">
+            <a:spAutoFit/>
+          </a:bodyPr>
+          <a:lstStyle/>
+          <a:p>
+            <a:pPr algn="ctr"/>
+            <a:r>
+              <a:rPr lang="ko-KR" altLang="en-US" sz="2400" b="1" dirty="0">
+                <a:solidFill>
+                  <a:schemeClr val="bg1"/>
+                </a:solidFill>
+                <a:latin typeface="나눔바른고딕" panose="020B0603020101020101" pitchFamily="50" charset="-127"/>
+                <a:ea typeface="나눔바른고딕" panose="020B0603020101020101" pitchFamily="50" charset="-127"/>
+              </a:rPr>
+              <a:t>스탬프</a:t>
+            </a:r>
+            <a:endParaRPr lang="en-US" altLang="ko-KR" sz="2400" b="1" dirty="0">
+              <a:solidFill>
+                <a:schemeClr val="bg1"/>
+              </a:solidFill>
+              <a:latin typeface="나눔바른고딕" panose="020B0603020101020101" pitchFamily="50" charset="-127"/>
+              <a:ea typeface="나눔바른고딕" panose="020B0603020101020101" pitchFamily="50" charset="-127"/>
+            </a:endParaRPr>
+          </a:p>
+          <a:p>
+            <a:pPr algn="ctr"/>
+            <a:r>
+              <a:rPr lang="en-US" altLang="ko-KR" sz="2400" b="1" dirty="0">
+                <a:solidFill>
+                  <a:schemeClr val="bg1"/>
+                </a:solidFill>
+                <a:latin typeface="나눔바른고딕" panose="020B0603020101020101" pitchFamily="50" charset="-127"/>
+                <a:ea typeface="나눔바른고딕" panose="020B0603020101020101" pitchFamily="50" charset="-127"/>
+              </a:rPr>
+              <a:t>32</a:t>
+            </a:r>
+            <a:r>
+              <a:rPr lang="ko-KR" altLang="en-US" sz="2400" b="1" dirty="0">
+                <a:solidFill>
+                  <a:schemeClr val="bg1"/>
+                </a:solidFill>
+                <a:latin typeface="나눔바른고딕" panose="020B0603020101020101" pitchFamily="50" charset="-127"/>
+                <a:ea typeface="나눔바른고딕" panose="020B0603020101020101" pitchFamily="50" charset="-127"/>
+              </a:rPr>
+              <a:t>개 필요</a:t>
+            </a:r>
+          </a:p>
+        </p:txBody>
+      </p:sp>
+      <p:pic>
+        <p:nvPicPr>
+          <p:cNvPr id="6" name="그림 5" descr="낙농, 가공 치즈, 치즈 제조, 음식이(가) 표시된 사진&#10;&#10;자동 생성된 설명">
+            <a:extLst>
+              <a:ext uri="{FF2B5EF4-FFF2-40B4-BE49-F238E27FC236}">
+                <a16:creationId xmlns:a16="http://schemas.microsoft.com/office/drawing/2014/main" id="{3D99F5D2-70DB-AA57-A8FD-112D3B4B8AC6}"/>
+              </a:ext>
+            </a:extLst>
+          </p:cNvPr>
+          <p:cNvPicPr>
+            <a:picLocks noChangeAspect="1"/>
+          </p:cNvPicPr>
+          <p:nvPr/>
+        </p:nvPicPr>
+        <p:blipFill>
+          <a:blip r:embed="rId2">
+            <a:extLst>
+              <a:ext uri="{28A0092B-C50C-407E-A947-70E740481C1C}">
+                <a14:useLocalDpi xmlns:a14="http://schemas.microsoft.com/office/drawing/2010/main" val="0"/>
+              </a:ext>
+            </a:extLst>
+          </a:blip>
+          <a:stretch>
+            <a:fillRect/>
+          </a:stretch>
+        </p:blipFill>
+        <p:spPr>
+          <a:xfrm>
+            <a:off x="4269100" y="1917268"/>
+            <a:ext cx="3653798" cy="3653798"/>
+          </a:xfrm>
+          <a:prstGeom prst="rect">
+            <a:avLst/>
+          </a:prstGeom>
+        </p:spPr>
+      </p:pic>
+    </p:spTree>
+    <p:extLst>
+      <p:ext uri="{BB962C8B-B14F-4D97-AF65-F5344CB8AC3E}">
+        <p14:creationId xmlns:p14="http://schemas.microsoft.com/office/powerpoint/2010/main" val="921461133"/>
       </p:ext>
     </p:extLst>
   </p:cSld>
@@ -7385,6 +7858,496 @@
 </p:sld>
 </file>
 
+<file path=ppt/slides/slide8.xml><?xml version="1.0" encoding="utf-8"?>
+<p:sld xmlns:a="http://schemas.openxmlformats.org/drawingml/2006/main" xmlns:r="http://schemas.openxmlformats.org/officeDocument/2006/relationships" xmlns:p="http://schemas.openxmlformats.org/presentationml/2006/main">
+  <p:cSld>
+    <p:spTree>
+      <p:nvGrpSpPr>
+        <p:cNvPr id="1" name=""/>
+        <p:cNvGrpSpPr/>
+        <p:nvPr/>
+      </p:nvGrpSpPr>
+      <p:grpSpPr>
+        <a:xfrm>
+          <a:off x="0" y="0"/>
+          <a:ext cx="0" cy="0"/>
+          <a:chOff x="0" y="0"/>
+          <a:chExt cx="0" cy="0"/>
+        </a:xfrm>
+      </p:grpSpPr>
+      <p:pic>
+        <p:nvPicPr>
+          <p:cNvPr id="6" name="그림 5" descr="청량 음료, 올드 패션 유리잔, 아이스 큐브, 하이볼 글라스이(가) 표시된 사진&#10;&#10;자동 생성된 설명">
+            <a:extLst>
+              <a:ext uri="{FF2B5EF4-FFF2-40B4-BE49-F238E27FC236}">
+                <a16:creationId xmlns:a16="http://schemas.microsoft.com/office/drawing/2014/main" id="{C24338C9-C115-A891-1A7A-6ECDA7906DBD}"/>
+              </a:ext>
+            </a:extLst>
+          </p:cNvPr>
+          <p:cNvPicPr>
+            <a:picLocks noChangeAspect="1"/>
+          </p:cNvPicPr>
+          <p:nvPr/>
+        </p:nvPicPr>
+        <p:blipFill rotWithShape="1">
+          <a:blip r:embed="rId2">
+            <a:extLst>
+              <a:ext uri="{28A0092B-C50C-407E-A947-70E740481C1C}">
+                <a14:useLocalDpi xmlns:a14="http://schemas.microsoft.com/office/drawing/2010/main" val="0"/>
+              </a:ext>
+            </a:extLst>
+          </a:blip>
+          <a:srcRect l="20955" t="11783" r="22957" b="5660"/>
+          <a:stretch/>
+        </p:blipFill>
+        <p:spPr>
+          <a:xfrm>
+            <a:off x="4768425" y="1286934"/>
+            <a:ext cx="2655147" cy="3908213"/>
+          </a:xfrm>
+          <a:prstGeom prst="rect">
+            <a:avLst/>
+          </a:prstGeom>
+        </p:spPr>
+      </p:pic>
+      <p:sp>
+        <p:nvSpPr>
+          <p:cNvPr id="8" name="TextBox 7">
+            <a:extLst>
+              <a:ext uri="{FF2B5EF4-FFF2-40B4-BE49-F238E27FC236}">
+                <a16:creationId xmlns:a16="http://schemas.microsoft.com/office/drawing/2014/main" id="{E1F7DD71-9B89-8819-3CFF-2299AFB7DC4C}"/>
+              </a:ext>
+            </a:extLst>
+          </p:cNvPr>
+          <p:cNvSpPr txBox="1"/>
+          <p:nvPr/>
+        </p:nvSpPr>
+        <p:spPr>
+          <a:xfrm>
+            <a:off x="3668892" y="5121450"/>
+            <a:ext cx="4854214" cy="707886"/>
+          </a:xfrm>
+          <a:prstGeom prst="rect">
+            <a:avLst/>
+          </a:prstGeom>
+          <a:noFill/>
+        </p:spPr>
+        <p:txBody>
+          <a:bodyPr wrap="none" rtlCol="0">
+            <a:spAutoFit/>
+          </a:bodyPr>
+          <a:lstStyle/>
+          <a:p>
+            <a:pPr algn="ctr"/>
+            <a:r>
+              <a:rPr lang="ko-KR" altLang="en-US" sz="4000" dirty="0">
+                <a:latin typeface="나눔스퀘어 네오 Heavy" panose="00000A00000000000000" pitchFamily="2" charset="-127"/>
+                <a:ea typeface="나눔스퀘어 네오 Heavy" panose="00000A00000000000000" pitchFamily="2" charset="-127"/>
+              </a:rPr>
+              <a:t>아이스 아메리카노 </a:t>
+            </a:r>
+            <a:r>
+              <a:rPr lang="en-US" altLang="ko-KR" sz="4000" dirty="0">
+                <a:latin typeface="나눔스퀘어 네오 Heavy" panose="00000A00000000000000" pitchFamily="2" charset="-127"/>
+                <a:ea typeface="나눔스퀘어 네오 Heavy" panose="00000A00000000000000" pitchFamily="2" charset="-127"/>
+              </a:rPr>
+              <a:t>M</a:t>
+            </a:r>
+            <a:endParaRPr lang="ko-KR" altLang="en-US" sz="4000" dirty="0">
+              <a:latin typeface="나눔스퀘어 네오 Heavy" panose="00000A00000000000000" pitchFamily="2" charset="-127"/>
+              <a:ea typeface="나눔스퀘어 네오 Heavy" panose="00000A00000000000000" pitchFamily="2" charset="-127"/>
+            </a:endParaRPr>
+          </a:p>
+        </p:txBody>
+      </p:sp>
+      <p:sp>
+        <p:nvSpPr>
+          <p:cNvPr id="9" name="타원 8">
+            <a:extLst>
+              <a:ext uri="{FF2B5EF4-FFF2-40B4-BE49-F238E27FC236}">
+                <a16:creationId xmlns:a16="http://schemas.microsoft.com/office/drawing/2014/main" id="{EAB8F6AA-1FE2-9D98-02EC-A2EBE8975A87}"/>
+              </a:ext>
+            </a:extLst>
+          </p:cNvPr>
+          <p:cNvSpPr/>
+          <p:nvPr/>
+        </p:nvSpPr>
+        <p:spPr>
+          <a:xfrm>
+            <a:off x="6999298" y="1286934"/>
+            <a:ext cx="1408854" cy="1408854"/>
+          </a:xfrm>
+          <a:prstGeom prst="ellipse">
+            <a:avLst/>
+          </a:prstGeom>
+          <a:solidFill>
+            <a:schemeClr val="tx2">
+              <a:lumMod val="75000"/>
+              <a:lumOff val="25000"/>
+            </a:schemeClr>
+          </a:solidFill>
+          <a:ln>
+            <a:noFill/>
+          </a:ln>
+        </p:spPr>
+        <p:style>
+          <a:lnRef idx="2">
+            <a:schemeClr val="accent1">
+              <a:shade val="15000"/>
+            </a:schemeClr>
+          </a:lnRef>
+          <a:fillRef idx="1">
+            <a:schemeClr val="accent1"/>
+          </a:fillRef>
+          <a:effectRef idx="0">
+            <a:schemeClr val="accent1"/>
+          </a:effectRef>
+          <a:fontRef idx="minor">
+            <a:schemeClr val="lt1"/>
+          </a:fontRef>
+        </p:style>
+        <p:txBody>
+          <a:bodyPr rtlCol="0" anchor="ctr"/>
+          <a:lstStyle/>
+          <a:p>
+            <a:pPr algn="ctr"/>
+            <a:endParaRPr lang="ko-KR" altLang="en-US" sz="1200" dirty="0">
+              <a:latin typeface="나눔바른고딕" panose="020B0603020101020101" pitchFamily="50" charset="-127"/>
+              <a:ea typeface="나눔바른고딕" panose="020B0603020101020101" pitchFamily="50" charset="-127"/>
+            </a:endParaRPr>
+          </a:p>
+        </p:txBody>
+      </p:sp>
+      <p:sp>
+        <p:nvSpPr>
+          <p:cNvPr id="10" name="TextBox 9">
+            <a:extLst>
+              <a:ext uri="{FF2B5EF4-FFF2-40B4-BE49-F238E27FC236}">
+                <a16:creationId xmlns:a16="http://schemas.microsoft.com/office/drawing/2014/main" id="{4EF859E8-91B5-763C-0BB1-3365BE13B869}"/>
+              </a:ext>
+            </a:extLst>
+          </p:cNvPr>
+          <p:cNvSpPr txBox="1"/>
+          <p:nvPr/>
+        </p:nvSpPr>
+        <p:spPr>
+          <a:xfrm rot="1276837">
+            <a:off x="6986221" y="1575862"/>
+            <a:ext cx="1435008" cy="830997"/>
+          </a:xfrm>
+          <a:prstGeom prst="rect">
+            <a:avLst/>
+          </a:prstGeom>
+          <a:noFill/>
+        </p:spPr>
+        <p:txBody>
+          <a:bodyPr wrap="none" rtlCol="0">
+            <a:spAutoFit/>
+          </a:bodyPr>
+          <a:lstStyle/>
+          <a:p>
+            <a:pPr algn="ctr"/>
+            <a:r>
+              <a:rPr lang="ko-KR" altLang="en-US" sz="2400" b="1" dirty="0">
+                <a:solidFill>
+                  <a:schemeClr val="bg1"/>
+                </a:solidFill>
+                <a:latin typeface="나눔바른고딕" panose="020B0603020101020101" pitchFamily="50" charset="-127"/>
+                <a:ea typeface="나눔바른고딕" panose="020B0603020101020101" pitchFamily="50" charset="-127"/>
+              </a:rPr>
+              <a:t>스탬프</a:t>
+            </a:r>
+            <a:endParaRPr lang="en-US" altLang="ko-KR" sz="2400" b="1" dirty="0">
+              <a:solidFill>
+                <a:schemeClr val="bg1"/>
+              </a:solidFill>
+              <a:latin typeface="나눔바른고딕" panose="020B0603020101020101" pitchFamily="50" charset="-127"/>
+              <a:ea typeface="나눔바른고딕" panose="020B0603020101020101" pitchFamily="50" charset="-127"/>
+            </a:endParaRPr>
+          </a:p>
+          <a:p>
+            <a:pPr algn="ctr"/>
+            <a:r>
+              <a:rPr lang="en-US" altLang="ko-KR" sz="2400" b="1" dirty="0">
+                <a:solidFill>
+                  <a:schemeClr val="bg1"/>
+                </a:solidFill>
+                <a:latin typeface="나눔바른고딕" panose="020B0603020101020101" pitchFamily="50" charset="-127"/>
+                <a:ea typeface="나눔바른고딕" panose="020B0603020101020101" pitchFamily="50" charset="-127"/>
+              </a:rPr>
+              <a:t>10</a:t>
+            </a:r>
+            <a:r>
+              <a:rPr lang="ko-KR" altLang="en-US" sz="2400" b="1" dirty="0">
+                <a:solidFill>
+                  <a:schemeClr val="bg1"/>
+                </a:solidFill>
+                <a:latin typeface="나눔바른고딕" panose="020B0603020101020101" pitchFamily="50" charset="-127"/>
+                <a:ea typeface="나눔바른고딕" panose="020B0603020101020101" pitchFamily="50" charset="-127"/>
+              </a:rPr>
+              <a:t>개 필요</a:t>
+            </a:r>
+          </a:p>
+        </p:txBody>
+      </p:sp>
+    </p:spTree>
+    <p:extLst>
+      <p:ext uri="{BB962C8B-B14F-4D97-AF65-F5344CB8AC3E}">
+        <p14:creationId xmlns:p14="http://schemas.microsoft.com/office/powerpoint/2010/main" val="2086155801"/>
+      </p:ext>
+    </p:extLst>
+  </p:cSld>
+  <p:clrMapOvr>
+    <a:masterClrMapping/>
+  </p:clrMapOvr>
+</p:sld>
+</file>
+
+<file path=ppt/slides/slide9.xml><?xml version="1.0" encoding="utf-8"?>
+<p:sld xmlns:a="http://schemas.openxmlformats.org/drawingml/2006/main" xmlns:r="http://schemas.openxmlformats.org/officeDocument/2006/relationships" xmlns:p="http://schemas.openxmlformats.org/presentationml/2006/main">
+  <p:cSld>
+    <p:spTree>
+      <p:nvGrpSpPr>
+        <p:cNvPr id="1" name=""/>
+        <p:cNvGrpSpPr/>
+        <p:nvPr/>
+      </p:nvGrpSpPr>
+      <p:grpSpPr>
+        <a:xfrm>
+          <a:off x="0" y="0"/>
+          <a:ext cx="0" cy="0"/>
+          <a:chOff x="0" y="0"/>
+          <a:chExt cx="0" cy="0"/>
+        </a:xfrm>
+      </p:grpSpPr>
+      <p:pic>
+        <p:nvPicPr>
+          <p:cNvPr id="3" name="그림 2" descr="음식, 음료, 낙농, 무알콜 음료이(가) 표시된 사진&#10;&#10;자동 생성된 설명">
+            <a:extLst>
+              <a:ext uri="{FF2B5EF4-FFF2-40B4-BE49-F238E27FC236}">
+                <a16:creationId xmlns:a16="http://schemas.microsoft.com/office/drawing/2014/main" id="{0FC0A8AA-3ED5-A221-5767-F7C9FBC5BDEE}"/>
+              </a:ext>
+            </a:extLst>
+          </p:cNvPr>
+          <p:cNvPicPr>
+            <a:picLocks noChangeAspect="1"/>
+          </p:cNvPicPr>
+          <p:nvPr/>
+        </p:nvPicPr>
+        <p:blipFill rotWithShape="1">
+          <a:blip r:embed="rId2">
+            <a:extLst>
+              <a:ext uri="{28A0092B-C50C-407E-A947-70E740481C1C}">
+                <a14:useLocalDpi xmlns:a14="http://schemas.microsoft.com/office/drawing/2010/main" val="0"/>
+              </a:ext>
+            </a:extLst>
+          </a:blip>
+          <a:srcRect l="25432" t="4504" r="26071"/>
+          <a:stretch/>
+        </p:blipFill>
+        <p:spPr>
+          <a:xfrm>
+            <a:off x="4795520" y="1028663"/>
+            <a:ext cx="2567093" cy="4446729"/>
+          </a:xfrm>
+          <a:prstGeom prst="rect">
+            <a:avLst/>
+          </a:prstGeom>
+        </p:spPr>
+      </p:pic>
+      <p:sp>
+        <p:nvSpPr>
+          <p:cNvPr id="8" name="TextBox 7">
+            <a:extLst>
+              <a:ext uri="{FF2B5EF4-FFF2-40B4-BE49-F238E27FC236}">
+                <a16:creationId xmlns:a16="http://schemas.microsoft.com/office/drawing/2014/main" id="{E1F7DD71-9B89-8819-3CFF-2299AFB7DC4C}"/>
+              </a:ext>
+            </a:extLst>
+          </p:cNvPr>
+          <p:cNvSpPr txBox="1"/>
+          <p:nvPr/>
+        </p:nvSpPr>
+        <p:spPr>
+          <a:xfrm>
+            <a:off x="3847628" y="5121450"/>
+            <a:ext cx="4496745" cy="707886"/>
+          </a:xfrm>
+          <a:prstGeom prst="rect">
+            <a:avLst/>
+          </a:prstGeom>
+          <a:noFill/>
+        </p:spPr>
+        <p:txBody>
+          <a:bodyPr wrap="none" rtlCol="0">
+            <a:spAutoFit/>
+          </a:bodyPr>
+          <a:lstStyle/>
+          <a:p>
+            <a:pPr algn="ctr"/>
+            <a:r>
+              <a:rPr lang="ko-KR" altLang="en-US" sz="4000" dirty="0">
+                <a:latin typeface="나눔스퀘어 네오 Heavy" panose="00000A00000000000000" pitchFamily="2" charset="-127"/>
+                <a:ea typeface="나눔스퀘어 네오 Heavy" panose="00000A00000000000000" pitchFamily="2" charset="-127"/>
+              </a:rPr>
+              <a:t>아이스 카페라떼 </a:t>
+            </a:r>
+            <a:r>
+              <a:rPr lang="en-US" altLang="ko-KR" sz="4000" dirty="0">
+                <a:latin typeface="나눔스퀘어 네오 Heavy" panose="00000A00000000000000" pitchFamily="2" charset="-127"/>
+                <a:ea typeface="나눔스퀘어 네오 Heavy" panose="00000A00000000000000" pitchFamily="2" charset="-127"/>
+              </a:rPr>
+              <a:t>M</a:t>
+            </a:r>
+            <a:endParaRPr lang="ko-KR" altLang="en-US" sz="4000" dirty="0">
+              <a:latin typeface="나눔스퀘어 네오 Heavy" panose="00000A00000000000000" pitchFamily="2" charset="-127"/>
+              <a:ea typeface="나눔스퀘어 네오 Heavy" panose="00000A00000000000000" pitchFamily="2" charset="-127"/>
+            </a:endParaRPr>
+          </a:p>
+        </p:txBody>
+      </p:sp>
+      <p:sp>
+        <p:nvSpPr>
+          <p:cNvPr id="9" name="타원 8">
+            <a:extLst>
+              <a:ext uri="{FF2B5EF4-FFF2-40B4-BE49-F238E27FC236}">
+                <a16:creationId xmlns:a16="http://schemas.microsoft.com/office/drawing/2014/main" id="{EAB8F6AA-1FE2-9D98-02EC-A2EBE8975A87}"/>
+              </a:ext>
+            </a:extLst>
+          </p:cNvPr>
+          <p:cNvSpPr/>
+          <p:nvPr/>
+        </p:nvSpPr>
+        <p:spPr>
+          <a:xfrm>
+            <a:off x="6999298" y="1286934"/>
+            <a:ext cx="1408854" cy="1408854"/>
+          </a:xfrm>
+          <a:prstGeom prst="ellipse">
+            <a:avLst/>
+          </a:prstGeom>
+          <a:solidFill>
+            <a:schemeClr val="tx2">
+              <a:lumMod val="75000"/>
+              <a:lumOff val="25000"/>
+            </a:schemeClr>
+          </a:solidFill>
+          <a:ln>
+            <a:noFill/>
+          </a:ln>
+        </p:spPr>
+        <p:style>
+          <a:lnRef idx="2">
+            <a:schemeClr val="accent1">
+              <a:shade val="15000"/>
+            </a:schemeClr>
+          </a:lnRef>
+          <a:fillRef idx="1">
+            <a:schemeClr val="accent1"/>
+          </a:fillRef>
+          <a:effectRef idx="0">
+            <a:schemeClr val="accent1"/>
+          </a:effectRef>
+          <a:fontRef idx="minor">
+            <a:schemeClr val="lt1"/>
+          </a:fontRef>
+        </p:style>
+        <p:txBody>
+          <a:bodyPr rtlCol="0" anchor="ctr"/>
+          <a:lstStyle/>
+          <a:p>
+            <a:pPr algn="ctr"/>
+            <a:endParaRPr lang="ko-KR" altLang="en-US" sz="1200" dirty="0">
+              <a:latin typeface="나눔바른고딕" panose="020B0603020101020101" pitchFamily="50" charset="-127"/>
+              <a:ea typeface="나눔바른고딕" panose="020B0603020101020101" pitchFamily="50" charset="-127"/>
+            </a:endParaRPr>
+          </a:p>
+        </p:txBody>
+      </p:sp>
+      <p:sp>
+        <p:nvSpPr>
+          <p:cNvPr id="10" name="TextBox 9">
+            <a:extLst>
+              <a:ext uri="{FF2B5EF4-FFF2-40B4-BE49-F238E27FC236}">
+                <a16:creationId xmlns:a16="http://schemas.microsoft.com/office/drawing/2014/main" id="{4EF859E8-91B5-763C-0BB1-3365BE13B869}"/>
+              </a:ext>
+            </a:extLst>
+          </p:cNvPr>
+          <p:cNvSpPr txBox="1"/>
+          <p:nvPr/>
+        </p:nvSpPr>
+        <p:spPr>
+          <a:xfrm rot="1276837">
+            <a:off x="6986221" y="1575862"/>
+            <a:ext cx="1435008" cy="830997"/>
+          </a:xfrm>
+          <a:prstGeom prst="rect">
+            <a:avLst/>
+          </a:prstGeom>
+          <a:noFill/>
+        </p:spPr>
+        <p:txBody>
+          <a:bodyPr wrap="none" rtlCol="0">
+            <a:spAutoFit/>
+          </a:bodyPr>
+          <a:lstStyle/>
+          <a:p>
+            <a:pPr algn="ctr"/>
+            <a:r>
+              <a:rPr lang="ko-KR" altLang="en-US" sz="2400" b="1" dirty="0">
+                <a:solidFill>
+                  <a:schemeClr val="bg1"/>
+                </a:solidFill>
+                <a:latin typeface="나눔바른고딕" panose="020B0603020101020101" pitchFamily="50" charset="-127"/>
+                <a:ea typeface="나눔바른고딕" panose="020B0603020101020101" pitchFamily="50" charset="-127"/>
+              </a:rPr>
+              <a:t>스탬프</a:t>
+            </a:r>
+            <a:endParaRPr lang="en-US" altLang="ko-KR" sz="2400" b="1" dirty="0">
+              <a:solidFill>
+                <a:schemeClr val="bg1"/>
+              </a:solidFill>
+              <a:latin typeface="나눔바른고딕" panose="020B0603020101020101" pitchFamily="50" charset="-127"/>
+              <a:ea typeface="나눔바른고딕" panose="020B0603020101020101" pitchFamily="50" charset="-127"/>
+            </a:endParaRPr>
+          </a:p>
+          <a:p>
+            <a:pPr algn="ctr"/>
+            <a:r>
+              <a:rPr lang="en-US" altLang="ko-KR" sz="2400" b="1" dirty="0">
+                <a:solidFill>
+                  <a:schemeClr val="bg1"/>
+                </a:solidFill>
+                <a:latin typeface="나눔바른고딕" panose="020B0603020101020101" pitchFamily="50" charset="-127"/>
+                <a:ea typeface="나눔바른고딕" panose="020B0603020101020101" pitchFamily="50" charset="-127"/>
+              </a:rPr>
+              <a:t>15</a:t>
+            </a:r>
+            <a:r>
+              <a:rPr lang="ko-KR" altLang="en-US" sz="2400" b="1" dirty="0">
+                <a:solidFill>
+                  <a:schemeClr val="bg1"/>
+                </a:solidFill>
+                <a:latin typeface="나눔바른고딕" panose="020B0603020101020101" pitchFamily="50" charset="-127"/>
+                <a:ea typeface="나눔바른고딕" panose="020B0603020101020101" pitchFamily="50" charset="-127"/>
+              </a:rPr>
+              <a:t>개 필요</a:t>
+            </a:r>
+          </a:p>
+        </p:txBody>
+      </p:sp>
+    </p:spTree>
+    <p:extLst>
+      <p:ext uri="{BB962C8B-B14F-4D97-AF65-F5344CB8AC3E}">
+        <p14:creationId xmlns:p14="http://schemas.microsoft.com/office/powerpoint/2010/main" val="2819841399"/>
+      </p:ext>
+    </p:extLst>
+  </p:cSld>
+  <p:clrMapOvr>
+    <a:masterClrMapping/>
+  </p:clrMapOvr>
+</p:sld>
+</file>
+
 <file path=ppt/theme/theme1.xml><?xml version="1.0" encoding="utf-8"?>
 <a:theme xmlns:a="http://schemas.openxmlformats.org/drawingml/2006/main" name="Office 테마">
   <a:themeElements>

--- a/raspberry/tkinter_img/ecoarium_imgset.pptx
+++ b/raspberry/tkinter_img/ecoarium_imgset.pptx
@@ -269,7 +269,7 @@
           <a:p>
             <a:fld id="{9AEC65EF-2E71-4BA5-BDA0-FFC2A60F4F8C}" type="datetimeFigureOut">
               <a:rPr lang="ko-KR" altLang="en-US" smtClean="0"/>
-              <a:t>2024-05-27</a:t>
+              <a:t>2024-05-28</a:t>
             </a:fld>
             <a:endParaRPr lang="ko-KR" altLang="en-US"/>
           </a:p>
@@ -467,7 +467,7 @@
           <a:p>
             <a:fld id="{9AEC65EF-2E71-4BA5-BDA0-FFC2A60F4F8C}" type="datetimeFigureOut">
               <a:rPr lang="ko-KR" altLang="en-US" smtClean="0"/>
-              <a:t>2024-05-27</a:t>
+              <a:t>2024-05-28</a:t>
             </a:fld>
             <a:endParaRPr lang="ko-KR" altLang="en-US"/>
           </a:p>
@@ -675,7 +675,7 @@
           <a:p>
             <a:fld id="{9AEC65EF-2E71-4BA5-BDA0-FFC2A60F4F8C}" type="datetimeFigureOut">
               <a:rPr lang="ko-KR" altLang="en-US" smtClean="0"/>
-              <a:t>2024-05-27</a:t>
+              <a:t>2024-05-28</a:t>
             </a:fld>
             <a:endParaRPr lang="ko-KR" altLang="en-US"/>
           </a:p>
@@ -873,7 +873,7 @@
           <a:p>
             <a:fld id="{9AEC65EF-2E71-4BA5-BDA0-FFC2A60F4F8C}" type="datetimeFigureOut">
               <a:rPr lang="ko-KR" altLang="en-US" smtClean="0"/>
-              <a:t>2024-05-27</a:t>
+              <a:t>2024-05-28</a:t>
             </a:fld>
             <a:endParaRPr lang="ko-KR" altLang="en-US"/>
           </a:p>
@@ -1148,7 +1148,7 @@
           <a:p>
             <a:fld id="{9AEC65EF-2E71-4BA5-BDA0-FFC2A60F4F8C}" type="datetimeFigureOut">
               <a:rPr lang="ko-KR" altLang="en-US" smtClean="0"/>
-              <a:t>2024-05-27</a:t>
+              <a:t>2024-05-28</a:t>
             </a:fld>
             <a:endParaRPr lang="ko-KR" altLang="en-US"/>
           </a:p>
@@ -1413,7 +1413,7 @@
           <a:p>
             <a:fld id="{9AEC65EF-2E71-4BA5-BDA0-FFC2A60F4F8C}" type="datetimeFigureOut">
               <a:rPr lang="ko-KR" altLang="en-US" smtClean="0"/>
-              <a:t>2024-05-27</a:t>
+              <a:t>2024-05-28</a:t>
             </a:fld>
             <a:endParaRPr lang="ko-KR" altLang="en-US"/>
           </a:p>
@@ -1825,7 +1825,7 @@
           <a:p>
             <a:fld id="{9AEC65EF-2E71-4BA5-BDA0-FFC2A60F4F8C}" type="datetimeFigureOut">
               <a:rPr lang="ko-KR" altLang="en-US" smtClean="0"/>
-              <a:t>2024-05-27</a:t>
+              <a:t>2024-05-28</a:t>
             </a:fld>
             <a:endParaRPr lang="ko-KR" altLang="en-US"/>
           </a:p>
@@ -1966,7 +1966,7 @@
           <a:p>
             <a:fld id="{9AEC65EF-2E71-4BA5-BDA0-FFC2A60F4F8C}" type="datetimeFigureOut">
               <a:rPr lang="ko-KR" altLang="en-US" smtClean="0"/>
-              <a:t>2024-05-27</a:t>
+              <a:t>2024-05-28</a:t>
             </a:fld>
             <a:endParaRPr lang="ko-KR" altLang="en-US"/>
           </a:p>
@@ -2079,7 +2079,7 @@
           <a:p>
             <a:fld id="{9AEC65EF-2E71-4BA5-BDA0-FFC2A60F4F8C}" type="datetimeFigureOut">
               <a:rPr lang="ko-KR" altLang="en-US" smtClean="0"/>
-              <a:t>2024-05-27</a:t>
+              <a:t>2024-05-28</a:t>
             </a:fld>
             <a:endParaRPr lang="ko-KR" altLang="en-US"/>
           </a:p>
@@ -2390,7 +2390,7 @@
           <a:p>
             <a:fld id="{9AEC65EF-2E71-4BA5-BDA0-FFC2A60F4F8C}" type="datetimeFigureOut">
               <a:rPr lang="ko-KR" altLang="en-US" smtClean="0"/>
-              <a:t>2024-05-27</a:t>
+              <a:t>2024-05-28</a:t>
             </a:fld>
             <a:endParaRPr lang="ko-KR" altLang="en-US"/>
           </a:p>
@@ -2678,7 +2678,7 @@
           <a:p>
             <a:fld id="{9AEC65EF-2E71-4BA5-BDA0-FFC2A60F4F8C}" type="datetimeFigureOut">
               <a:rPr lang="ko-KR" altLang="en-US" smtClean="0"/>
-              <a:t>2024-05-27</a:t>
+              <a:t>2024-05-28</a:t>
             </a:fld>
             <a:endParaRPr lang="ko-KR" altLang="en-US"/>
           </a:p>
@@ -2919,7 +2919,7 @@
           <a:p>
             <a:fld id="{9AEC65EF-2E71-4BA5-BDA0-FFC2A60F4F8C}" type="datetimeFigureOut">
               <a:rPr lang="ko-KR" altLang="en-US" smtClean="0"/>
-              <a:t>2024-05-27</a:t>
+              <a:t>2024-05-28</a:t>
             </a:fld>
             <a:endParaRPr lang="ko-KR" altLang="en-US"/>
           </a:p>
@@ -6891,6 +6891,83 @@
           </a:prstGeom>
         </p:spPr>
       </p:pic>
+      <p:sp>
+        <p:nvSpPr>
+          <p:cNvPr id="3" name="TextBox 2">
+            <a:extLst>
+              <a:ext uri="{FF2B5EF4-FFF2-40B4-BE49-F238E27FC236}">
+                <a16:creationId xmlns:a16="http://schemas.microsoft.com/office/drawing/2014/main" id="{7AF47C2E-705F-196E-8C63-FF325FC3E383}"/>
+              </a:ext>
+            </a:extLst>
+          </p:cNvPr>
+          <p:cNvSpPr txBox="1"/>
+          <p:nvPr/>
+        </p:nvSpPr>
+        <p:spPr>
+          <a:xfrm>
+            <a:off x="2356257" y="5360963"/>
+            <a:ext cx="4028667" cy="253916"/>
+          </a:xfrm>
+          <a:prstGeom prst="rect">
+            <a:avLst/>
+          </a:prstGeom>
+          <a:noFill/>
+        </p:spPr>
+        <p:txBody>
+          <a:bodyPr wrap="none" rtlCol="0">
+            <a:spAutoFit/>
+          </a:bodyPr>
+          <a:lstStyle/>
+          <a:p>
+            <a:r>
+              <a:rPr lang="ko-KR" altLang="en-US" sz="1050" i="1" dirty="0">
+                <a:latin typeface="나눔고딕 Light" panose="020D0904000000000000" pitchFamily="50" charset="-127"/>
+                <a:ea typeface="나눔고딕 Light" panose="020D0904000000000000" pitchFamily="50" charset="-127"/>
+              </a:rPr>
+              <a:t>본 프로젝트에는 </a:t>
+            </a:r>
+            <a:r>
+              <a:rPr lang="en-US" altLang="ko-KR" sz="1050" i="1" dirty="0">
+                <a:latin typeface="나눔고딕 Light" panose="020D0904000000000000" pitchFamily="50" charset="-127"/>
+                <a:ea typeface="나눔고딕 Light" panose="020D0904000000000000" pitchFamily="50" charset="-127"/>
+              </a:rPr>
+              <a:t>NAVER</a:t>
+            </a:r>
+            <a:r>
+              <a:rPr lang="ko-KR" altLang="en-US" sz="1050" i="1" dirty="0">
+                <a:latin typeface="나눔고딕 Light" panose="020D0904000000000000" pitchFamily="50" charset="-127"/>
+                <a:ea typeface="나눔고딕 Light" panose="020D0904000000000000" pitchFamily="50" charset="-127"/>
+              </a:rPr>
+              <a:t>에서 제공하는 </a:t>
+            </a:r>
+            <a:r>
+              <a:rPr lang="ko-KR" altLang="en-US" sz="1050" i="1" dirty="0" err="1">
+                <a:latin typeface="나눔고딕 Light" panose="020D0904000000000000" pitchFamily="50" charset="-127"/>
+                <a:ea typeface="나눔고딕 Light" panose="020D0904000000000000" pitchFamily="50" charset="-127"/>
+              </a:rPr>
+              <a:t>나눔글꼴이</a:t>
+            </a:r>
+            <a:r>
+              <a:rPr lang="ko-KR" altLang="en-US" sz="1050" i="1" dirty="0">
+                <a:latin typeface="나눔고딕 Light" panose="020D0904000000000000" pitchFamily="50" charset="-127"/>
+                <a:ea typeface="나눔고딕 Light" panose="020D0904000000000000" pitchFamily="50" charset="-127"/>
+              </a:rPr>
+              <a:t> 사용되었습니다</a:t>
+            </a:r>
+            <a:r>
+              <a:rPr lang="en-US" altLang="ko-KR" sz="1050" i="1" dirty="0">
+                <a:latin typeface="나눔고딕 Light" panose="020D0904000000000000" pitchFamily="50" charset="-127"/>
+                <a:ea typeface="나눔고딕 Light" panose="020D0904000000000000" pitchFamily="50" charset="-127"/>
+              </a:rPr>
+              <a:t>.</a:t>
+            </a:r>
+            <a:endParaRPr lang="ko-KR" altLang="en-US" sz="1050" i="1" dirty="0">
+              <a:latin typeface="나눔고딕 Light" panose="020D0904000000000000" pitchFamily="50" charset="-127"/>
+              <a:ea typeface="나눔고딕 Light" panose="020D0904000000000000" pitchFamily="50" charset="-127"/>
+            </a:endParaRPr>
+          </a:p>
+        </p:txBody>
+      </p:sp>
     </p:spTree>
     <p:extLst>
       <p:ext uri="{BB962C8B-B14F-4D97-AF65-F5344CB8AC3E}">
